--- a/OOP JavaScript Training presentation.pptx
+++ b/OOP JavaScript Training presentation.pptx
@@ -24,8 +24,21 @@
     <p:sldId id="273" r:id="rId18"/>
     <p:sldId id="274" r:id="rId19"/>
     <p:sldId id="275" r:id="rId20"/>
-    <p:sldId id="276" r:id="rId21"/>
-    <p:sldId id="277" r:id="rId22"/>
+    <p:sldId id="280" r:id="rId21"/>
+    <p:sldId id="292" r:id="rId22"/>
+    <p:sldId id="288" r:id="rId23"/>
+    <p:sldId id="287" r:id="rId24"/>
+    <p:sldId id="282" r:id="rId25"/>
+    <p:sldId id="283" r:id="rId26"/>
+    <p:sldId id="281" r:id="rId27"/>
+    <p:sldId id="284" r:id="rId28"/>
+    <p:sldId id="291" r:id="rId29"/>
+    <p:sldId id="285" r:id="rId30"/>
+    <p:sldId id="290" r:id="rId31"/>
+    <p:sldId id="286" r:id="rId32"/>
+    <p:sldId id="277" r:id="rId33"/>
+    <p:sldId id="289" r:id="rId34"/>
+    <p:sldId id="278" r:id="rId35"/>
   </p:sldIdLst>
   <p:sldSz cx="12192000" cy="6858000"/>
   <p:notesSz cx="6858000" cy="9144000"/>
@@ -124,6 +137,11 @@
       </a:defRPr>
     </a:lvl9pPr>
   </p:defaultTextStyle>
+  <p:extLst>
+    <p:ext uri="{EFAFB233-063F-42B5-8137-9DF3F51BA10A}">
+      <p15:sldGuideLst xmlns:p15="http://schemas.microsoft.com/office/powerpoint/2012/main"/>
+    </p:ext>
+  </p:extLst>
 </p:presentation>
 </file>
 
@@ -312,7 +330,7 @@
           <a:p>
             <a:fld id="{DE70EB98-B9B1-46D3-8497-41A7A88C841D}" type="datetimeFigureOut">
               <a:rPr lang="ro-RO" smtClean="0"/>
-              <a:t>27.10.2021</a:t>
+              <a:t>08.11.2021</a:t>
             </a:fld>
             <a:endParaRPr lang="ro-RO"/>
           </a:p>
@@ -610,7 +628,7 @@
           <a:p>
             <a:fld id="{DE70EB98-B9B1-46D3-8497-41A7A88C841D}" type="datetimeFigureOut">
               <a:rPr lang="ro-RO" smtClean="0"/>
-              <a:t>27.10.2021</a:t>
+              <a:t>08.11.2021</a:t>
             </a:fld>
             <a:endParaRPr lang="ro-RO"/>
           </a:p>
@@ -802,7 +820,7 @@
           <a:p>
             <a:fld id="{DE70EB98-B9B1-46D3-8497-41A7A88C841D}" type="datetimeFigureOut">
               <a:rPr lang="ro-RO" smtClean="0"/>
-              <a:t>27.10.2021</a:t>
+              <a:t>08.11.2021</a:t>
             </a:fld>
             <a:endParaRPr lang="ro-RO"/>
           </a:p>
@@ -1063,7 +1081,7 @@
           <a:p>
             <a:fld id="{DE70EB98-B9B1-46D3-8497-41A7A88C841D}" type="datetimeFigureOut">
               <a:rPr lang="ro-RO" smtClean="0"/>
-              <a:t>27.10.2021</a:t>
+              <a:t>08.11.2021</a:t>
             </a:fld>
             <a:endParaRPr lang="ro-RO"/>
           </a:p>
@@ -1487,7 +1505,7 @@
           <a:p>
             <a:fld id="{DE70EB98-B9B1-46D3-8497-41A7A88C841D}" type="datetimeFigureOut">
               <a:rPr lang="ro-RO" smtClean="0"/>
-              <a:t>27.10.2021</a:t>
+              <a:t>08.11.2021</a:t>
             </a:fld>
             <a:endParaRPr lang="ro-RO"/>
           </a:p>
@@ -2024,7 +2042,7 @@
           <a:p>
             <a:fld id="{DE70EB98-B9B1-46D3-8497-41A7A88C841D}" type="datetimeFigureOut">
               <a:rPr lang="ro-RO" smtClean="0"/>
-              <a:t>27.10.2021</a:t>
+              <a:t>08.11.2021</a:t>
             </a:fld>
             <a:endParaRPr lang="ro-RO"/>
           </a:p>
@@ -2888,7 +2906,7 @@
           <a:p>
             <a:fld id="{DE70EB98-B9B1-46D3-8497-41A7A88C841D}" type="datetimeFigureOut">
               <a:rPr lang="ro-RO" smtClean="0"/>
-              <a:t>27.10.2021</a:t>
+              <a:t>08.11.2021</a:t>
             </a:fld>
             <a:endParaRPr lang="ro-RO"/>
           </a:p>
@@ -3058,7 +3076,7 @@
           <a:p>
             <a:fld id="{DE70EB98-B9B1-46D3-8497-41A7A88C841D}" type="datetimeFigureOut">
               <a:rPr lang="ro-RO" smtClean="0"/>
-              <a:t>27.10.2021</a:t>
+              <a:t>08.11.2021</a:t>
             </a:fld>
             <a:endParaRPr lang="ro-RO"/>
           </a:p>
@@ -3242,7 +3260,7 @@
           <a:p>
             <a:fld id="{DE70EB98-B9B1-46D3-8497-41A7A88C841D}" type="datetimeFigureOut">
               <a:rPr lang="ro-RO" smtClean="0"/>
-              <a:t>27.10.2021</a:t>
+              <a:t>08.11.2021</a:t>
             </a:fld>
             <a:endParaRPr lang="ro-RO"/>
           </a:p>
@@ -3412,7 +3430,7 @@
           <a:p>
             <a:fld id="{DE70EB98-B9B1-46D3-8497-41A7A88C841D}" type="datetimeFigureOut">
               <a:rPr lang="ro-RO" smtClean="0"/>
-              <a:t>27.10.2021</a:t>
+              <a:t>08.11.2021</a:t>
             </a:fld>
             <a:endParaRPr lang="ro-RO"/>
           </a:p>
@@ -3656,7 +3674,7 @@
           <a:p>
             <a:fld id="{DE70EB98-B9B1-46D3-8497-41A7A88C841D}" type="datetimeFigureOut">
               <a:rPr lang="ro-RO" smtClean="0"/>
-              <a:t>27.10.2021</a:t>
+              <a:t>08.11.2021</a:t>
             </a:fld>
             <a:endParaRPr lang="ro-RO"/>
           </a:p>
@@ -3892,7 +3910,7 @@
           <a:p>
             <a:fld id="{DE70EB98-B9B1-46D3-8497-41A7A88C841D}" type="datetimeFigureOut">
               <a:rPr lang="ro-RO" smtClean="0"/>
-              <a:t>27.10.2021</a:t>
+              <a:t>08.11.2021</a:t>
             </a:fld>
             <a:endParaRPr lang="ro-RO"/>
           </a:p>
@@ -4358,7 +4376,7 @@
           <a:p>
             <a:fld id="{DE70EB98-B9B1-46D3-8497-41A7A88C841D}" type="datetimeFigureOut">
               <a:rPr lang="ro-RO" smtClean="0"/>
-              <a:t>27.10.2021</a:t>
+              <a:t>08.11.2021</a:t>
             </a:fld>
             <a:endParaRPr lang="ro-RO"/>
           </a:p>
@@ -4476,7 +4494,7 @@
           <a:p>
             <a:fld id="{DE70EB98-B9B1-46D3-8497-41A7A88C841D}" type="datetimeFigureOut">
               <a:rPr lang="ro-RO" smtClean="0"/>
-              <a:t>27.10.2021</a:t>
+              <a:t>08.11.2021</a:t>
             </a:fld>
             <a:endParaRPr lang="ro-RO"/>
           </a:p>
@@ -4571,7 +4589,7 @@
           <a:p>
             <a:fld id="{DE70EB98-B9B1-46D3-8497-41A7A88C841D}" type="datetimeFigureOut">
               <a:rPr lang="ro-RO" smtClean="0"/>
-              <a:t>27.10.2021</a:t>
+              <a:t>08.11.2021</a:t>
             </a:fld>
             <a:endParaRPr lang="ro-RO"/>
           </a:p>
@@ -4826,7 +4844,7 @@
           <a:p>
             <a:fld id="{DE70EB98-B9B1-46D3-8497-41A7A88C841D}" type="datetimeFigureOut">
               <a:rPr lang="ro-RO" smtClean="0"/>
-              <a:t>27.10.2021</a:t>
+              <a:t>08.11.2021</a:t>
             </a:fld>
             <a:endParaRPr lang="ro-RO"/>
           </a:p>
@@ -5126,7 +5144,7 @@
           <a:p>
             <a:fld id="{DE70EB98-B9B1-46D3-8497-41A7A88C841D}" type="datetimeFigureOut">
               <a:rPr lang="ro-RO" smtClean="0"/>
-              <a:t>27.10.2021</a:t>
+              <a:t>08.11.2021</a:t>
             </a:fld>
             <a:endParaRPr lang="ro-RO"/>
           </a:p>
@@ -5360,7 +5378,7 @@
           <a:p>
             <a:fld id="{DE70EB98-B9B1-46D3-8497-41A7A88C841D}" type="datetimeFigureOut">
               <a:rPr lang="ro-RO" smtClean="0"/>
-              <a:t>27.10.2021</a:t>
+              <a:t>08.11.2021</a:t>
             </a:fld>
             <a:endParaRPr lang="ro-RO"/>
           </a:p>
@@ -7149,7 +7167,7 @@
         </p:blipFill>
         <p:spPr>
           <a:xfrm>
-            <a:off x="4061619" y="1731963"/>
+            <a:off x="3928454" y="1234813"/>
             <a:ext cx="4059237" cy="4059237"/>
           </a:xfrm>
         </p:spPr>
@@ -7253,7 +7271,7 @@
           <p:cNvPr id="2" name="Title 1">
             <a:extLst>
               <a:ext uri="{FF2B5EF4-FFF2-40B4-BE49-F238E27FC236}">
-                <a16:creationId xmlns:a16="http://schemas.microsoft.com/office/drawing/2014/main" id="{C91843C6-5DC6-445E-A243-F318E58375C8}"/>
+                <a16:creationId xmlns:a16="http://schemas.microsoft.com/office/drawing/2014/main" id="{BCF27DBC-1AC0-45CF-931F-761AB6A18E4E}"/>
               </a:ext>
             </a:extLst>
           </p:cNvPr>
@@ -7271,7 +7289,7 @@
           <a:p>
             <a:r>
               <a:rPr lang="en-US" dirty="0"/>
-              <a:t>Why?</a:t>
+              <a:t>What?</a:t>
             </a:r>
             <a:endParaRPr lang="ro-RO" dirty="0"/>
           </a:p>
@@ -7282,7 +7300,7 @@
           <p:cNvPr id="3" name="Content Placeholder 2">
             <a:extLst>
               <a:ext uri="{FF2B5EF4-FFF2-40B4-BE49-F238E27FC236}">
-                <a16:creationId xmlns:a16="http://schemas.microsoft.com/office/drawing/2014/main" id="{19E6D318-334B-4D41-A202-487D8E142622}"/>
+                <a16:creationId xmlns:a16="http://schemas.microsoft.com/office/drawing/2014/main" id="{24FB2C26-839A-4017-9356-AD0EBE44FF83}"/>
               </a:ext>
             </a:extLst>
           </p:cNvPr>
@@ -7298,37 +7316,59 @@
           <a:bodyPr/>
           <a:lstStyle/>
           <a:p>
-            <a:r>
-              <a:rPr lang="en-US" dirty="0" err="1"/>
-              <a:t>Transpilation</a:t>
-            </a:r>
             <a:endParaRPr lang="en-US" dirty="0"/>
           </a:p>
           <a:p>
-            <a:r>
-              <a:rPr lang="en-US" dirty="0"/>
-              <a:t>Strong Static Typing</a:t>
-            </a:r>
-          </a:p>
-          <a:p>
-            <a:r>
-              <a:rPr lang="en-US" dirty="0"/>
-              <a:t>OOP</a:t>
-            </a:r>
-          </a:p>
-          <a:p>
-            <a:r>
-              <a:rPr lang="en-US" dirty="0"/>
-              <a:t>Proper documentation</a:t>
-            </a:r>
+            <a:pPr marL="36900" indent="0">
+              <a:buNone/>
+            </a:pPr>
+            <a:endParaRPr lang="en-US" dirty="0"/>
+          </a:p>
+          <a:p>
             <a:endParaRPr lang="ro-RO" dirty="0"/>
           </a:p>
         </p:txBody>
       </p:sp>
+      <p:pic>
+        <p:nvPicPr>
+          <p:cNvPr id="5" name="Picture 4" descr="Logo&#10;&#10;Description automatically generated with medium confidence">
+            <a:extLst>
+              <a:ext uri="{FF2B5EF4-FFF2-40B4-BE49-F238E27FC236}">
+                <a16:creationId xmlns:a16="http://schemas.microsoft.com/office/drawing/2014/main" id="{1BCB92F6-5937-4AC5-9CCB-FE8AEB34E060}"/>
+              </a:ext>
+            </a:extLst>
+          </p:cNvPr>
+          <p:cNvPicPr>
+            <a:picLocks noChangeAspect="1"/>
+          </p:cNvPicPr>
+          <p:nvPr/>
+        </p:nvPicPr>
+        <p:blipFill>
+          <a:blip r:embed="rId2">
+            <a:extLst>
+              <a:ext uri="{28A0092B-C50C-407E-A947-70E740481C1C}">
+                <a14:useLocalDpi xmlns:a14="http://schemas.microsoft.com/office/drawing/2010/main" val="0"/>
+              </a:ext>
+            </a:extLst>
+          </a:blip>
+          <a:stretch>
+            <a:fillRect/>
+          </a:stretch>
+        </p:blipFill>
+        <p:spPr>
+          <a:xfrm>
+            <a:off x="3390900" y="1981200"/>
+            <a:ext cx="5581650" cy="3125724"/>
+          </a:xfrm>
+          <a:prstGeom prst="rect">
+            <a:avLst/>
+          </a:prstGeom>
+        </p:spPr>
+      </p:pic>
     </p:spTree>
     <p:extLst>
       <p:ext uri="{BB962C8B-B14F-4D97-AF65-F5344CB8AC3E}">
-        <p14:creationId xmlns:p14="http://schemas.microsoft.com/office/powerpoint/2010/main" val="3641156870"/>
+        <p14:creationId xmlns:p14="http://schemas.microsoft.com/office/powerpoint/2010/main" val="1837624636"/>
       </p:ext>
     </p:extLst>
   </p:cSld>
@@ -7355,12 +7395,273 @@
           <a:chExt cx="0" cy="0"/>
         </a:xfrm>
       </p:grpSpPr>
+      <p:pic>
+        <p:nvPicPr>
+          <p:cNvPr id="9" name="Content Placeholder 8" descr="Graphical user interface, text, application&#10;&#10;Description automatically generated">
+            <a:extLst>
+              <a:ext uri="{FF2B5EF4-FFF2-40B4-BE49-F238E27FC236}">
+                <a16:creationId xmlns:a16="http://schemas.microsoft.com/office/drawing/2014/main" id="{D5023C82-8A58-4955-A6C8-F07E28FADDAC}"/>
+              </a:ext>
+            </a:extLst>
+          </p:cNvPr>
+          <p:cNvPicPr>
+            <a:picLocks noGrp="1" noChangeAspect="1"/>
+          </p:cNvPicPr>
+          <p:nvPr>
+            <p:ph idx="1"/>
+          </p:nvPr>
+        </p:nvPicPr>
+        <p:blipFill>
+          <a:blip r:embed="rId2">
+            <a:extLst>
+              <a:ext uri="{28A0092B-C50C-407E-A947-70E740481C1C}">
+                <a14:useLocalDpi xmlns:a14="http://schemas.microsoft.com/office/drawing/2010/main" val="0"/>
+              </a:ext>
+            </a:extLst>
+          </a:blip>
+          <a:stretch>
+            <a:fillRect/>
+          </a:stretch>
+        </p:blipFill>
+        <p:spPr>
+          <a:xfrm>
+            <a:off x="194496" y="946484"/>
+            <a:ext cx="11803007" cy="4572083"/>
+          </a:xfrm>
+        </p:spPr>
+      </p:pic>
+    </p:spTree>
+    <p:extLst>
+      <p:ext uri="{BB962C8B-B14F-4D97-AF65-F5344CB8AC3E}">
+        <p14:creationId xmlns:p14="http://schemas.microsoft.com/office/powerpoint/2010/main" val="94142159"/>
+      </p:ext>
+    </p:extLst>
+  </p:cSld>
+  <p:clrMapOvr>
+    <a:masterClrMapping/>
+  </p:clrMapOvr>
+</p:sld>
+</file>
+
+<file path=ppt/slides/slide22.xml><?xml version="1.0" encoding="utf-8"?>
+<p:sld xmlns:a="http://schemas.openxmlformats.org/drawingml/2006/main" xmlns:r="http://schemas.openxmlformats.org/officeDocument/2006/relationships" xmlns:p="http://schemas.openxmlformats.org/presentationml/2006/main">
+  <p:cSld>
+    <p:spTree>
+      <p:nvGrpSpPr>
+        <p:cNvPr id="1" name=""/>
+        <p:cNvGrpSpPr/>
+        <p:nvPr/>
+      </p:nvGrpSpPr>
+      <p:grpSpPr>
+        <a:xfrm>
+          <a:off x="0" y="0"/>
+          <a:ext cx="0" cy="0"/>
+          <a:chOff x="0" y="0"/>
+          <a:chExt cx="0" cy="0"/>
+        </a:xfrm>
+      </p:grpSpPr>
+      <p:pic>
+        <p:nvPicPr>
+          <p:cNvPr id="5" name="Content Placeholder 4" descr="Logo&#10;&#10;Description automatically generated with medium confidence">
+            <a:extLst>
+              <a:ext uri="{FF2B5EF4-FFF2-40B4-BE49-F238E27FC236}">
+                <a16:creationId xmlns:a16="http://schemas.microsoft.com/office/drawing/2014/main" id="{FACCAD17-EFA6-4A96-AE1A-3D59A16E9AAF}"/>
+              </a:ext>
+            </a:extLst>
+          </p:cNvPr>
+          <p:cNvPicPr>
+            <a:picLocks noGrp="1" noChangeAspect="1"/>
+          </p:cNvPicPr>
+          <p:nvPr>
+            <p:ph idx="1"/>
+          </p:nvPr>
+        </p:nvPicPr>
+        <p:blipFill>
+          <a:blip r:embed="rId2">
+            <a:extLst>
+              <a:ext uri="{28A0092B-C50C-407E-A947-70E740481C1C}">
+                <a14:useLocalDpi xmlns:a14="http://schemas.microsoft.com/office/drawing/2010/main" val="0"/>
+              </a:ext>
+            </a:extLst>
+          </a:blip>
+          <a:stretch>
+            <a:fillRect/>
+          </a:stretch>
+        </p:blipFill>
+        <p:spPr>
+          <a:xfrm>
+            <a:off x="2732892" y="1981200"/>
+            <a:ext cx="6726216" cy="2510876"/>
+          </a:xfrm>
+        </p:spPr>
+      </p:pic>
+      <p:sp>
+        <p:nvSpPr>
+          <p:cNvPr id="6" name="Title 1">
+            <a:extLst>
+              <a:ext uri="{FF2B5EF4-FFF2-40B4-BE49-F238E27FC236}">
+                <a16:creationId xmlns:a16="http://schemas.microsoft.com/office/drawing/2014/main" id="{5726C34F-C3A2-40B8-8941-E86EA7F0F5F8}"/>
+              </a:ext>
+            </a:extLst>
+          </p:cNvPr>
+          <p:cNvSpPr txBox="1">
+            <a:spLocks/>
+          </p:cNvSpPr>
+          <p:nvPr/>
+        </p:nvSpPr>
+        <p:spPr>
+          <a:xfrm>
+            <a:off x="1106300" y="5474417"/>
+            <a:ext cx="10353762" cy="970450"/>
+          </a:xfrm>
+          <a:prstGeom prst="rect">
+            <a:avLst/>
+          </a:prstGeom>
+          <a:effectLst>
+            <a:outerShdw blurRad="25400" dir="17880000">
+              <a:srgbClr val="000000">
+                <a:alpha val="46000"/>
+              </a:srgbClr>
+            </a:outerShdw>
+          </a:effectLst>
+        </p:spPr>
+        <p:txBody>
+          <a:bodyPr vert="horz" lIns="91440" tIns="45720" rIns="91440" bIns="45720" rtlCol="0" anchor="ctr">
+            <a:normAutofit/>
+          </a:bodyPr>
+          <a:lstStyle>
+            <a:lvl1pPr algn="ctr" defTabSz="457200" rtl="0" eaLnBrk="1" latinLnBrk="0" hangingPunct="1">
+              <a:spcBef>
+                <a:spcPct val="0"/>
+              </a:spcBef>
+              <a:buNone/>
+              <a:defRPr sz="4000" kern="1200">
+                <a:ln>
+                  <a:solidFill>
+                    <a:schemeClr val="bg1">
+                      <a:lumMod val="75000"/>
+                      <a:lumOff val="25000"/>
+                      <a:alpha val="10000"/>
+                    </a:schemeClr>
+                  </a:solidFill>
+                </a:ln>
+                <a:solidFill>
+                  <a:schemeClr val="tx2"/>
+                </a:solidFill>
+                <a:effectLst>
+                  <a:outerShdw blurRad="9525" dist="25400" dir="14640000" algn="tl" rotWithShape="0">
+                    <a:schemeClr val="bg1">
+                      <a:alpha val="30000"/>
+                    </a:schemeClr>
+                  </a:outerShdw>
+                </a:effectLst>
+                <a:latin typeface="+mj-lt"/>
+                <a:ea typeface="+mj-ea"/>
+                <a:cs typeface="Trebuchet MS"/>
+              </a:defRPr>
+            </a:lvl1pPr>
+            <a:lvl2pPr eaLnBrk="1" hangingPunct="1">
+              <a:defRPr>
+                <a:solidFill>
+                  <a:schemeClr val="tx2"/>
+                </a:solidFill>
+              </a:defRPr>
+            </a:lvl2pPr>
+            <a:lvl3pPr eaLnBrk="1" hangingPunct="1">
+              <a:defRPr>
+                <a:solidFill>
+                  <a:schemeClr val="tx2"/>
+                </a:solidFill>
+              </a:defRPr>
+            </a:lvl3pPr>
+            <a:lvl4pPr eaLnBrk="1" hangingPunct="1">
+              <a:defRPr>
+                <a:solidFill>
+                  <a:schemeClr val="tx2"/>
+                </a:solidFill>
+              </a:defRPr>
+            </a:lvl4pPr>
+            <a:lvl5pPr eaLnBrk="1" hangingPunct="1">
+              <a:defRPr>
+                <a:solidFill>
+                  <a:schemeClr val="tx2"/>
+                </a:solidFill>
+              </a:defRPr>
+            </a:lvl5pPr>
+            <a:lvl6pPr eaLnBrk="1" hangingPunct="1">
+              <a:defRPr>
+                <a:solidFill>
+                  <a:schemeClr val="tx2"/>
+                </a:solidFill>
+              </a:defRPr>
+            </a:lvl6pPr>
+            <a:lvl7pPr eaLnBrk="1" hangingPunct="1">
+              <a:defRPr>
+                <a:solidFill>
+                  <a:schemeClr val="tx2"/>
+                </a:solidFill>
+              </a:defRPr>
+            </a:lvl7pPr>
+            <a:lvl8pPr eaLnBrk="1" hangingPunct="1">
+              <a:defRPr>
+                <a:solidFill>
+                  <a:schemeClr val="tx2"/>
+                </a:solidFill>
+              </a:defRPr>
+            </a:lvl8pPr>
+            <a:lvl9pPr eaLnBrk="1" hangingPunct="1">
+              <a:defRPr>
+                <a:solidFill>
+                  <a:schemeClr val="tx2"/>
+                </a:solidFill>
+              </a:defRPr>
+            </a:lvl9pPr>
+          </a:lstStyle>
+          <a:p>
+            <a:r>
+              <a:rPr lang="en-US" dirty="0"/>
+              <a:t>https://github.com/microsoft/TypeScript</a:t>
+            </a:r>
+            <a:endParaRPr lang="ro-RO" dirty="0"/>
+          </a:p>
+        </p:txBody>
+      </p:sp>
+    </p:spTree>
+    <p:extLst>
+      <p:ext uri="{BB962C8B-B14F-4D97-AF65-F5344CB8AC3E}">
+        <p14:creationId xmlns:p14="http://schemas.microsoft.com/office/powerpoint/2010/main" val="2117509057"/>
+      </p:ext>
+    </p:extLst>
+  </p:cSld>
+  <p:clrMapOvr>
+    <a:masterClrMapping/>
+  </p:clrMapOvr>
+</p:sld>
+</file>
+
+<file path=ppt/slides/slide23.xml><?xml version="1.0" encoding="utf-8"?>
+<p:sld xmlns:a="http://schemas.openxmlformats.org/drawingml/2006/main" xmlns:r="http://schemas.openxmlformats.org/officeDocument/2006/relationships" xmlns:p="http://schemas.openxmlformats.org/presentationml/2006/main">
+  <p:cSld>
+    <p:spTree>
+      <p:nvGrpSpPr>
+        <p:cNvPr id="1" name=""/>
+        <p:cNvGrpSpPr/>
+        <p:nvPr/>
+      </p:nvGrpSpPr>
+      <p:grpSpPr>
+        <a:xfrm>
+          <a:off x="0" y="0"/>
+          <a:ext cx="0" cy="0"/>
+          <a:chOff x="0" y="0"/>
+          <a:chExt cx="0" cy="0"/>
+        </a:xfrm>
+      </p:grpSpPr>
       <p:sp>
         <p:nvSpPr>
           <p:cNvPr id="2" name="Title 1">
             <a:extLst>
               <a:ext uri="{FF2B5EF4-FFF2-40B4-BE49-F238E27FC236}">
-                <a16:creationId xmlns:a16="http://schemas.microsoft.com/office/drawing/2014/main" id="{B738A013-0EB1-473D-AE9A-B66A11956EA1}"/>
+                <a16:creationId xmlns:a16="http://schemas.microsoft.com/office/drawing/2014/main" id="{A1F50396-F5CD-49C8-A60C-99F18C727139}"/>
               </a:ext>
             </a:extLst>
           </p:cNvPr>
@@ -7378,7 +7679,7 @@
           <a:p>
             <a:r>
               <a:rPr lang="en-US" dirty="0"/>
-              <a:t>Types</a:t>
+              <a:t>How to install?</a:t>
             </a:r>
             <a:endParaRPr lang="ro-RO" dirty="0"/>
           </a:p>
@@ -7389,7 +7690,7 @@
           <p:cNvPr id="3" name="Content Placeholder 2">
             <a:extLst>
               <a:ext uri="{FF2B5EF4-FFF2-40B4-BE49-F238E27FC236}">
-                <a16:creationId xmlns:a16="http://schemas.microsoft.com/office/drawing/2014/main" id="{17B0ECCD-C944-4244-9769-19063150A845}"/>
+                <a16:creationId xmlns:a16="http://schemas.microsoft.com/office/drawing/2014/main" id="{3FF2E133-B144-4B07-A359-3B402F627DE9}"/>
               </a:ext>
             </a:extLst>
           </p:cNvPr>
@@ -7406,32 +7707,38 @@
           <a:lstStyle/>
           <a:p>
             <a:r>
+              <a:rPr lang="en-US" i="1" dirty="0" err="1"/>
+              <a:t>npm</a:t>
+            </a:r>
+            <a:r>
+              <a:rPr lang="en-US" i="1" dirty="0"/>
+              <a:t> install –g typescript</a:t>
+            </a:r>
+          </a:p>
+          <a:p>
+            <a:r>
               <a:rPr lang="en-US" dirty="0"/>
-              <a:t>“any” type -&gt; the way out, dynamic and super type of all types in JS</a:t>
-            </a:r>
-          </a:p>
-          <a:p>
+              <a:t>run </a:t>
+            </a:r>
+            <a:r>
+              <a:rPr lang="en-US" i="1" dirty="0" err="1"/>
+              <a:t>tsc</a:t>
+            </a:r>
+            <a:r>
+              <a:rPr lang="en-US" i="1" dirty="0"/>
+              <a:t> </a:t>
+            </a:r>
+            <a:r>
+              <a:rPr lang="en-US" i="1" dirty="0" err="1"/>
+              <a:t>file.ts</a:t>
+            </a:r>
+            <a:r>
+              <a:rPr lang="en-US" i="1" dirty="0"/>
+              <a:t> </a:t>
+            </a:r>
             <a:r>
               <a:rPr lang="en-US" dirty="0"/>
-              <a:t>Enums</a:t>
-            </a:r>
-          </a:p>
-          <a:p>
-            <a:r>
-              <a:rPr lang="en-US" dirty="0"/>
-              <a:t>Classes </a:t>
-            </a:r>
-          </a:p>
-          <a:p>
-            <a:r>
-              <a:rPr lang="en-US" dirty="0"/>
-              <a:t>Interfaces</a:t>
-            </a:r>
-          </a:p>
-          <a:p>
-            <a:r>
-              <a:rPr lang="en-US" dirty="0"/>
-              <a:t>Tuples</a:t>
+              <a:t>/ add compilation task to build script</a:t>
             </a:r>
           </a:p>
           <a:p>
@@ -7442,7 +7749,744 @@
     </p:spTree>
     <p:extLst>
       <p:ext uri="{BB962C8B-B14F-4D97-AF65-F5344CB8AC3E}">
-        <p14:creationId xmlns:p14="http://schemas.microsoft.com/office/powerpoint/2010/main" val="4126190334"/>
+        <p14:creationId xmlns:p14="http://schemas.microsoft.com/office/powerpoint/2010/main" val="3883807521"/>
+      </p:ext>
+    </p:extLst>
+  </p:cSld>
+  <p:clrMapOvr>
+    <a:masterClrMapping/>
+  </p:clrMapOvr>
+</p:sld>
+</file>
+
+<file path=ppt/slides/slide24.xml><?xml version="1.0" encoding="utf-8"?>
+<p:sld xmlns:a="http://schemas.openxmlformats.org/drawingml/2006/main" xmlns:r="http://schemas.openxmlformats.org/officeDocument/2006/relationships" xmlns:p="http://schemas.openxmlformats.org/presentationml/2006/main">
+  <p:cSld>
+    <p:spTree>
+      <p:nvGrpSpPr>
+        <p:cNvPr id="1" name=""/>
+        <p:cNvGrpSpPr/>
+        <p:nvPr/>
+      </p:nvGrpSpPr>
+      <p:grpSpPr>
+        <a:xfrm>
+          <a:off x="0" y="0"/>
+          <a:ext cx="0" cy="0"/>
+          <a:chOff x="0" y="0"/>
+          <a:chExt cx="0" cy="0"/>
+        </a:xfrm>
+      </p:grpSpPr>
+      <p:sp>
+        <p:nvSpPr>
+          <p:cNvPr id="2" name="Title 1">
+            <a:extLst>
+              <a:ext uri="{FF2B5EF4-FFF2-40B4-BE49-F238E27FC236}">
+                <a16:creationId xmlns:a16="http://schemas.microsoft.com/office/drawing/2014/main" id="{28F3902B-56B5-4629-A8B3-CBD5388B2618}"/>
+              </a:ext>
+            </a:extLst>
+          </p:cNvPr>
+          <p:cNvSpPr>
+            <a:spLocks noGrp="1"/>
+          </p:cNvSpPr>
+          <p:nvPr>
+            <p:ph type="title"/>
+          </p:nvPr>
+        </p:nvSpPr>
+        <p:spPr/>
+        <p:txBody>
+          <a:bodyPr/>
+          <a:lstStyle/>
+          <a:p>
+            <a:r>
+              <a:rPr lang="en-US" dirty="0"/>
+              <a:t>Advantages</a:t>
+            </a:r>
+            <a:endParaRPr lang="ro-RO" dirty="0"/>
+          </a:p>
+        </p:txBody>
+      </p:sp>
+      <p:sp>
+        <p:nvSpPr>
+          <p:cNvPr id="3" name="Content Placeholder 2">
+            <a:extLst>
+              <a:ext uri="{FF2B5EF4-FFF2-40B4-BE49-F238E27FC236}">
+                <a16:creationId xmlns:a16="http://schemas.microsoft.com/office/drawing/2014/main" id="{9334BFFB-F57E-4CC1-A234-02670B76A7ED}"/>
+              </a:ext>
+            </a:extLst>
+          </p:cNvPr>
+          <p:cNvSpPr>
+            <a:spLocks noGrp="1"/>
+          </p:cNvSpPr>
+          <p:nvPr>
+            <p:ph idx="1"/>
+          </p:nvPr>
+        </p:nvSpPr>
+        <p:spPr/>
+        <p:txBody>
+          <a:bodyPr/>
+          <a:lstStyle/>
+          <a:p>
+            <a:r>
+              <a:rPr lang="en-US" dirty="0"/>
+              <a:t>OOP</a:t>
+            </a:r>
+          </a:p>
+          <a:p>
+            <a:r>
+              <a:rPr lang="en-US" dirty="0"/>
+              <a:t>Easy to debug</a:t>
+            </a:r>
+          </a:p>
+          <a:p>
+            <a:r>
+              <a:rPr lang="en-US" dirty="0"/>
+              <a:t>Better structuring: modules, classes, interfaces</a:t>
+            </a:r>
+          </a:p>
+          <a:p>
+            <a:r>
+              <a:rPr lang="en-US" dirty="0"/>
+              <a:t>Proper documentation</a:t>
+            </a:r>
+          </a:p>
+          <a:p>
+            <a:r>
+              <a:rPr lang="en-US" dirty="0"/>
+              <a:t>Compile time checks</a:t>
+            </a:r>
+          </a:p>
+          <a:p>
+            <a:r>
+              <a:rPr lang="en-US" dirty="0"/>
+              <a:t>Automatic type inference</a:t>
+            </a:r>
+          </a:p>
+          <a:p>
+            <a:pPr lvl="1"/>
+            <a:endParaRPr lang="en-US" dirty="0"/>
+          </a:p>
+        </p:txBody>
+      </p:sp>
+    </p:spTree>
+    <p:extLst>
+      <p:ext uri="{BB962C8B-B14F-4D97-AF65-F5344CB8AC3E}">
+        <p14:creationId xmlns:p14="http://schemas.microsoft.com/office/powerpoint/2010/main" val="1380821195"/>
+      </p:ext>
+    </p:extLst>
+  </p:cSld>
+  <p:clrMapOvr>
+    <a:masterClrMapping/>
+  </p:clrMapOvr>
+</p:sld>
+</file>
+
+<file path=ppt/slides/slide25.xml><?xml version="1.0" encoding="utf-8"?>
+<p:sld xmlns:a="http://schemas.openxmlformats.org/drawingml/2006/main" xmlns:r="http://schemas.openxmlformats.org/officeDocument/2006/relationships" xmlns:p="http://schemas.openxmlformats.org/presentationml/2006/main">
+  <p:cSld>
+    <p:spTree>
+      <p:nvGrpSpPr>
+        <p:cNvPr id="1" name=""/>
+        <p:cNvGrpSpPr/>
+        <p:nvPr/>
+      </p:nvGrpSpPr>
+      <p:grpSpPr>
+        <a:xfrm>
+          <a:off x="0" y="0"/>
+          <a:ext cx="0" cy="0"/>
+          <a:chOff x="0" y="0"/>
+          <a:chExt cx="0" cy="0"/>
+        </a:xfrm>
+      </p:grpSpPr>
+      <p:sp>
+        <p:nvSpPr>
+          <p:cNvPr id="2" name="Title 1">
+            <a:extLst>
+              <a:ext uri="{FF2B5EF4-FFF2-40B4-BE49-F238E27FC236}">
+                <a16:creationId xmlns:a16="http://schemas.microsoft.com/office/drawing/2014/main" id="{1336B0C5-3472-4985-A3E1-0E604F07672E}"/>
+              </a:ext>
+            </a:extLst>
+          </p:cNvPr>
+          <p:cNvSpPr>
+            <a:spLocks noGrp="1"/>
+          </p:cNvSpPr>
+          <p:nvPr>
+            <p:ph type="title"/>
+          </p:nvPr>
+        </p:nvSpPr>
+        <p:spPr/>
+        <p:txBody>
+          <a:bodyPr/>
+          <a:lstStyle/>
+          <a:p>
+            <a:r>
+              <a:rPr lang="en-US" dirty="0"/>
+              <a:t>Disadvantages</a:t>
+            </a:r>
+            <a:endParaRPr lang="ro-RO" dirty="0"/>
+          </a:p>
+        </p:txBody>
+      </p:sp>
+      <p:sp>
+        <p:nvSpPr>
+          <p:cNvPr id="3" name="Content Placeholder 2">
+            <a:extLst>
+              <a:ext uri="{FF2B5EF4-FFF2-40B4-BE49-F238E27FC236}">
+                <a16:creationId xmlns:a16="http://schemas.microsoft.com/office/drawing/2014/main" id="{AD23F330-A4E6-4839-B2A3-607C5ECD60C4}"/>
+              </a:ext>
+            </a:extLst>
+          </p:cNvPr>
+          <p:cNvSpPr>
+            <a:spLocks noGrp="1"/>
+          </p:cNvSpPr>
+          <p:nvPr>
+            <p:ph idx="1"/>
+          </p:nvPr>
+        </p:nvSpPr>
+        <p:spPr/>
+        <p:txBody>
+          <a:bodyPr/>
+          <a:lstStyle/>
+          <a:p>
+            <a:r>
+              <a:rPr lang="en-US" dirty="0"/>
+              <a:t>Extra step: </a:t>
+            </a:r>
+            <a:r>
+              <a:rPr lang="en-US" dirty="0" err="1"/>
+              <a:t>transpilation</a:t>
+            </a:r>
+            <a:endParaRPr lang="en-US" dirty="0"/>
+          </a:p>
+          <a:p>
+            <a:r>
+              <a:rPr lang="en-US" dirty="0"/>
+              <a:t>New syntax</a:t>
+            </a:r>
+          </a:p>
+          <a:p>
+            <a:pPr marL="36900" indent="0">
+              <a:buNone/>
+            </a:pPr>
+            <a:endParaRPr lang="ro-RO" dirty="0"/>
+          </a:p>
+        </p:txBody>
+      </p:sp>
+    </p:spTree>
+    <p:extLst>
+      <p:ext uri="{BB962C8B-B14F-4D97-AF65-F5344CB8AC3E}">
+        <p14:creationId xmlns:p14="http://schemas.microsoft.com/office/powerpoint/2010/main" val="4092842284"/>
+      </p:ext>
+    </p:extLst>
+  </p:cSld>
+  <p:clrMapOvr>
+    <a:masterClrMapping/>
+  </p:clrMapOvr>
+</p:sld>
+</file>
+
+<file path=ppt/slides/slide26.xml><?xml version="1.0" encoding="utf-8"?>
+<p:sld xmlns:a="http://schemas.openxmlformats.org/drawingml/2006/main" xmlns:r="http://schemas.openxmlformats.org/officeDocument/2006/relationships" xmlns:p="http://schemas.openxmlformats.org/presentationml/2006/main">
+  <p:cSld>
+    <p:spTree>
+      <p:nvGrpSpPr>
+        <p:cNvPr id="1" name=""/>
+        <p:cNvGrpSpPr/>
+        <p:nvPr/>
+      </p:nvGrpSpPr>
+      <p:grpSpPr>
+        <a:xfrm>
+          <a:off x="0" y="0"/>
+          <a:ext cx="0" cy="0"/>
+          <a:chOff x="0" y="0"/>
+          <a:chExt cx="0" cy="0"/>
+        </a:xfrm>
+      </p:grpSpPr>
+      <p:sp>
+        <p:nvSpPr>
+          <p:cNvPr id="2" name="Title 1">
+            <a:extLst>
+              <a:ext uri="{FF2B5EF4-FFF2-40B4-BE49-F238E27FC236}">
+                <a16:creationId xmlns:a16="http://schemas.microsoft.com/office/drawing/2014/main" id="{E0E10783-E8D7-4969-B57E-C8F45609D5CA}"/>
+              </a:ext>
+            </a:extLst>
+          </p:cNvPr>
+          <p:cNvSpPr>
+            <a:spLocks noGrp="1"/>
+          </p:cNvSpPr>
+          <p:nvPr>
+            <p:ph type="title"/>
+          </p:nvPr>
+        </p:nvSpPr>
+        <p:spPr/>
+        <p:txBody>
+          <a:bodyPr/>
+          <a:lstStyle/>
+          <a:p>
+            <a:r>
+              <a:rPr lang="en-US" dirty="0"/>
+              <a:t>Features</a:t>
+            </a:r>
+            <a:endParaRPr lang="ro-RO" dirty="0"/>
+          </a:p>
+        </p:txBody>
+      </p:sp>
+      <p:sp>
+        <p:nvSpPr>
+          <p:cNvPr id="3" name="Content Placeholder 2">
+            <a:extLst>
+              <a:ext uri="{FF2B5EF4-FFF2-40B4-BE49-F238E27FC236}">
+                <a16:creationId xmlns:a16="http://schemas.microsoft.com/office/drawing/2014/main" id="{A77FCB51-698D-4171-9C82-FB0E6C14618E}"/>
+              </a:ext>
+            </a:extLst>
+          </p:cNvPr>
+          <p:cNvSpPr>
+            <a:spLocks noGrp="1"/>
+          </p:cNvSpPr>
+          <p:nvPr>
+            <p:ph idx="1"/>
+          </p:nvPr>
+        </p:nvSpPr>
+        <p:spPr/>
+        <p:txBody>
+          <a:bodyPr>
+            <a:normAutofit fontScale="92500" lnSpcReduction="20000"/>
+          </a:bodyPr>
+          <a:lstStyle/>
+          <a:p>
+            <a:r>
+              <a:rPr lang="en-US" dirty="0"/>
+              <a:t>Type Annotations</a:t>
+            </a:r>
+          </a:p>
+          <a:p>
+            <a:r>
+              <a:rPr lang="en-US" dirty="0"/>
+              <a:t>“any” type</a:t>
+            </a:r>
+          </a:p>
+          <a:p>
+            <a:r>
+              <a:rPr lang="en-US" dirty="0"/>
+              <a:t>Compile Time Checking</a:t>
+            </a:r>
+          </a:p>
+          <a:p>
+            <a:r>
+              <a:rPr lang="en-US" dirty="0"/>
+              <a:t>Classes</a:t>
+            </a:r>
+          </a:p>
+          <a:p>
+            <a:r>
+              <a:rPr lang="en-US" dirty="0"/>
+              <a:t>Inheritance</a:t>
+            </a:r>
+          </a:p>
+          <a:p>
+            <a:r>
+              <a:rPr lang="en-US" dirty="0"/>
+              <a:t>Interfaces</a:t>
+            </a:r>
+          </a:p>
+          <a:p>
+            <a:r>
+              <a:rPr lang="en-US" dirty="0"/>
+              <a:t>Modules</a:t>
+            </a:r>
+          </a:p>
+          <a:p>
+            <a:r>
+              <a:rPr lang="en-US" dirty="0"/>
+              <a:t>Enums</a:t>
+            </a:r>
+          </a:p>
+          <a:p>
+            <a:r>
+              <a:rPr lang="en-US" dirty="0"/>
+              <a:t>Generics</a:t>
+            </a:r>
+          </a:p>
+          <a:p>
+            <a:r>
+              <a:rPr lang="en-US" dirty="0"/>
+              <a:t>Function Expressions</a:t>
+            </a:r>
+          </a:p>
+          <a:p>
+            <a:r>
+              <a:rPr lang="en-US" dirty="0"/>
+              <a:t>Tuples</a:t>
+            </a:r>
+            <a:endParaRPr lang="ro-RO" dirty="0"/>
+          </a:p>
+        </p:txBody>
+      </p:sp>
+    </p:spTree>
+    <p:extLst>
+      <p:ext uri="{BB962C8B-B14F-4D97-AF65-F5344CB8AC3E}">
+        <p14:creationId xmlns:p14="http://schemas.microsoft.com/office/powerpoint/2010/main" val="605269391"/>
+      </p:ext>
+    </p:extLst>
+  </p:cSld>
+  <p:clrMapOvr>
+    <a:masterClrMapping/>
+  </p:clrMapOvr>
+</p:sld>
+</file>
+
+<file path=ppt/slides/slide27.xml><?xml version="1.0" encoding="utf-8"?>
+<p:sld xmlns:a="http://schemas.openxmlformats.org/drawingml/2006/main" xmlns:r="http://schemas.openxmlformats.org/officeDocument/2006/relationships" xmlns:p="http://schemas.openxmlformats.org/presentationml/2006/main">
+  <p:cSld>
+    <p:spTree>
+      <p:nvGrpSpPr>
+        <p:cNvPr id="1" name=""/>
+        <p:cNvGrpSpPr/>
+        <p:nvPr/>
+      </p:nvGrpSpPr>
+      <p:grpSpPr>
+        <a:xfrm>
+          <a:off x="0" y="0"/>
+          <a:ext cx="0" cy="0"/>
+          <a:chOff x="0" y="0"/>
+          <a:chExt cx="0" cy="0"/>
+        </a:xfrm>
+      </p:grpSpPr>
+      <p:sp>
+        <p:nvSpPr>
+          <p:cNvPr id="4" name="Title 1">
+            <a:extLst>
+              <a:ext uri="{FF2B5EF4-FFF2-40B4-BE49-F238E27FC236}">
+                <a16:creationId xmlns:a16="http://schemas.microsoft.com/office/drawing/2014/main" id="{80080FA8-728C-4E6C-AD9E-D949C50CD886}"/>
+              </a:ext>
+            </a:extLst>
+          </p:cNvPr>
+          <p:cNvSpPr txBox="1">
+            <a:spLocks/>
+          </p:cNvSpPr>
+          <p:nvPr/>
+        </p:nvSpPr>
+        <p:spPr>
+          <a:xfrm>
+            <a:off x="913795" y="208645"/>
+            <a:ext cx="10353762" cy="970450"/>
+          </a:xfrm>
+          <a:prstGeom prst="rect">
+            <a:avLst/>
+          </a:prstGeom>
+          <a:effectLst>
+            <a:outerShdw blurRad="25400" dir="17880000">
+              <a:srgbClr val="000000">
+                <a:alpha val="46000"/>
+              </a:srgbClr>
+            </a:outerShdw>
+          </a:effectLst>
+        </p:spPr>
+        <p:txBody>
+          <a:bodyPr vert="horz" lIns="91440" tIns="45720" rIns="91440" bIns="45720" rtlCol="0" anchor="ctr">
+            <a:normAutofit/>
+          </a:bodyPr>
+          <a:lstStyle>
+            <a:lvl1pPr algn="ctr" defTabSz="457200" rtl="0" eaLnBrk="1" latinLnBrk="0" hangingPunct="1">
+              <a:spcBef>
+                <a:spcPct val="0"/>
+              </a:spcBef>
+              <a:buNone/>
+              <a:defRPr sz="4000" kern="1200">
+                <a:ln>
+                  <a:solidFill>
+                    <a:schemeClr val="bg1">
+                      <a:lumMod val="75000"/>
+                      <a:lumOff val="25000"/>
+                      <a:alpha val="10000"/>
+                    </a:schemeClr>
+                  </a:solidFill>
+                </a:ln>
+                <a:solidFill>
+                  <a:schemeClr val="tx2"/>
+                </a:solidFill>
+                <a:effectLst>
+                  <a:outerShdw blurRad="9525" dist="25400" dir="14640000" algn="tl" rotWithShape="0">
+                    <a:schemeClr val="bg1">
+                      <a:alpha val="30000"/>
+                    </a:schemeClr>
+                  </a:outerShdw>
+                </a:effectLst>
+                <a:latin typeface="+mj-lt"/>
+                <a:ea typeface="+mj-ea"/>
+                <a:cs typeface="Trebuchet MS"/>
+              </a:defRPr>
+            </a:lvl1pPr>
+            <a:lvl2pPr eaLnBrk="1" hangingPunct="1">
+              <a:defRPr>
+                <a:solidFill>
+                  <a:schemeClr val="tx2"/>
+                </a:solidFill>
+              </a:defRPr>
+            </a:lvl2pPr>
+            <a:lvl3pPr eaLnBrk="1" hangingPunct="1">
+              <a:defRPr>
+                <a:solidFill>
+                  <a:schemeClr val="tx2"/>
+                </a:solidFill>
+              </a:defRPr>
+            </a:lvl3pPr>
+            <a:lvl4pPr eaLnBrk="1" hangingPunct="1">
+              <a:defRPr>
+                <a:solidFill>
+                  <a:schemeClr val="tx2"/>
+                </a:solidFill>
+              </a:defRPr>
+            </a:lvl4pPr>
+            <a:lvl5pPr eaLnBrk="1" hangingPunct="1">
+              <a:defRPr>
+                <a:solidFill>
+                  <a:schemeClr val="tx2"/>
+                </a:solidFill>
+              </a:defRPr>
+            </a:lvl5pPr>
+            <a:lvl6pPr eaLnBrk="1" hangingPunct="1">
+              <a:defRPr>
+                <a:solidFill>
+                  <a:schemeClr val="tx2"/>
+                </a:solidFill>
+              </a:defRPr>
+            </a:lvl6pPr>
+            <a:lvl7pPr eaLnBrk="1" hangingPunct="1">
+              <a:defRPr>
+                <a:solidFill>
+                  <a:schemeClr val="tx2"/>
+                </a:solidFill>
+              </a:defRPr>
+            </a:lvl7pPr>
+            <a:lvl8pPr eaLnBrk="1" hangingPunct="1">
+              <a:defRPr>
+                <a:solidFill>
+                  <a:schemeClr val="tx2"/>
+                </a:solidFill>
+              </a:defRPr>
+            </a:lvl8pPr>
+            <a:lvl9pPr eaLnBrk="1" hangingPunct="1">
+              <a:defRPr>
+                <a:solidFill>
+                  <a:schemeClr val="tx2"/>
+                </a:solidFill>
+              </a:defRPr>
+            </a:lvl9pPr>
+          </a:lstStyle>
+          <a:p>
+            <a:r>
+              <a:rPr lang="en-US" dirty="0"/>
+              <a:t>Type Annotations</a:t>
+            </a:r>
+            <a:endParaRPr lang="ro-RO" dirty="0"/>
+          </a:p>
+        </p:txBody>
+      </p:sp>
+      <p:pic>
+        <p:nvPicPr>
+          <p:cNvPr id="10" name="Content Placeholder 9" descr="Text&#10;&#10;Description automatically generated">
+            <a:extLst>
+              <a:ext uri="{FF2B5EF4-FFF2-40B4-BE49-F238E27FC236}">
+                <a16:creationId xmlns:a16="http://schemas.microsoft.com/office/drawing/2014/main" id="{02D119AB-D7F2-4E56-9C63-20F5C561ADA1}"/>
+              </a:ext>
+            </a:extLst>
+          </p:cNvPr>
+          <p:cNvPicPr>
+            <a:picLocks noGrp="1" noChangeAspect="1"/>
+          </p:cNvPicPr>
+          <p:nvPr>
+            <p:ph idx="1"/>
+          </p:nvPr>
+        </p:nvPicPr>
+        <p:blipFill>
+          <a:blip r:embed="rId2">
+            <a:extLst>
+              <a:ext uri="{28A0092B-C50C-407E-A947-70E740481C1C}">
+                <a14:useLocalDpi xmlns:a14="http://schemas.microsoft.com/office/drawing/2010/main" val="0"/>
+              </a:ext>
+            </a:extLst>
+          </a:blip>
+          <a:stretch>
+            <a:fillRect/>
+          </a:stretch>
+        </p:blipFill>
+        <p:spPr>
+          <a:xfrm>
+            <a:off x="1569405" y="1179095"/>
+            <a:ext cx="9053189" cy="4499810"/>
+          </a:xfrm>
+        </p:spPr>
+      </p:pic>
+    </p:spTree>
+    <p:extLst>
+      <p:ext uri="{BB962C8B-B14F-4D97-AF65-F5344CB8AC3E}">
+        <p14:creationId xmlns:p14="http://schemas.microsoft.com/office/powerpoint/2010/main" val="261118996"/>
+      </p:ext>
+    </p:extLst>
+  </p:cSld>
+  <p:clrMapOvr>
+    <a:masterClrMapping/>
+  </p:clrMapOvr>
+</p:sld>
+</file>
+
+<file path=ppt/slides/slide28.xml><?xml version="1.0" encoding="utf-8"?>
+<p:sld xmlns:a="http://schemas.openxmlformats.org/drawingml/2006/main" xmlns:r="http://schemas.openxmlformats.org/officeDocument/2006/relationships" xmlns:p="http://schemas.openxmlformats.org/presentationml/2006/main">
+  <p:cSld>
+    <p:spTree>
+      <p:nvGrpSpPr>
+        <p:cNvPr id="1" name=""/>
+        <p:cNvGrpSpPr/>
+        <p:nvPr/>
+      </p:nvGrpSpPr>
+      <p:grpSpPr>
+        <a:xfrm>
+          <a:off x="0" y="0"/>
+          <a:ext cx="0" cy="0"/>
+          <a:chOff x="0" y="0"/>
+          <a:chExt cx="0" cy="0"/>
+        </a:xfrm>
+      </p:grpSpPr>
+      <p:pic>
+        <p:nvPicPr>
+          <p:cNvPr id="5" name="Content Placeholder 4">
+            <a:extLst>
+              <a:ext uri="{FF2B5EF4-FFF2-40B4-BE49-F238E27FC236}">
+                <a16:creationId xmlns:a16="http://schemas.microsoft.com/office/drawing/2014/main" id="{4C56183D-FB91-4DD9-B126-8DA87BA22098}"/>
+              </a:ext>
+            </a:extLst>
+          </p:cNvPr>
+          <p:cNvPicPr>
+            <a:picLocks noGrp="1" noChangeAspect="1"/>
+          </p:cNvPicPr>
+          <p:nvPr>
+            <p:ph idx="1"/>
+          </p:nvPr>
+        </p:nvPicPr>
+        <p:blipFill>
+          <a:blip r:embed="rId2">
+            <a:extLst>
+              <a:ext uri="{28A0092B-C50C-407E-A947-70E740481C1C}">
+                <a14:useLocalDpi xmlns:a14="http://schemas.microsoft.com/office/drawing/2010/main" val="0"/>
+              </a:ext>
+            </a:extLst>
+          </a:blip>
+          <a:stretch>
+            <a:fillRect/>
+          </a:stretch>
+        </p:blipFill>
+        <p:spPr>
+          <a:xfrm>
+            <a:off x="2266970" y="574760"/>
+            <a:ext cx="7658060" cy="5708480"/>
+          </a:xfrm>
+        </p:spPr>
+      </p:pic>
+    </p:spTree>
+    <p:extLst>
+      <p:ext uri="{BB962C8B-B14F-4D97-AF65-F5344CB8AC3E}">
+        <p14:creationId xmlns:p14="http://schemas.microsoft.com/office/powerpoint/2010/main" val="753851298"/>
+      </p:ext>
+    </p:extLst>
+  </p:cSld>
+  <p:clrMapOvr>
+    <a:masterClrMapping/>
+  </p:clrMapOvr>
+</p:sld>
+</file>
+
+<file path=ppt/slides/slide29.xml><?xml version="1.0" encoding="utf-8"?>
+<p:sld xmlns:a="http://schemas.openxmlformats.org/drawingml/2006/main" xmlns:r="http://schemas.openxmlformats.org/officeDocument/2006/relationships" xmlns:p="http://schemas.openxmlformats.org/presentationml/2006/main">
+  <p:cSld>
+    <p:spTree>
+      <p:nvGrpSpPr>
+        <p:cNvPr id="1" name=""/>
+        <p:cNvGrpSpPr/>
+        <p:nvPr/>
+      </p:nvGrpSpPr>
+      <p:grpSpPr>
+        <a:xfrm>
+          <a:off x="0" y="0"/>
+          <a:ext cx="0" cy="0"/>
+          <a:chOff x="0" y="0"/>
+          <a:chExt cx="0" cy="0"/>
+        </a:xfrm>
+      </p:grpSpPr>
+      <p:sp>
+        <p:nvSpPr>
+          <p:cNvPr id="2" name="Title 1">
+            <a:extLst>
+              <a:ext uri="{FF2B5EF4-FFF2-40B4-BE49-F238E27FC236}">
+                <a16:creationId xmlns:a16="http://schemas.microsoft.com/office/drawing/2014/main" id="{6B1E17E2-CC92-4723-9F7A-049E7A84FB21}"/>
+              </a:ext>
+            </a:extLst>
+          </p:cNvPr>
+          <p:cNvSpPr>
+            <a:spLocks noGrp="1"/>
+          </p:cNvSpPr>
+          <p:nvPr>
+            <p:ph type="title"/>
+          </p:nvPr>
+        </p:nvSpPr>
+        <p:spPr>
+          <a:xfrm>
+            <a:off x="914356" y="392269"/>
+            <a:ext cx="10353762" cy="970450"/>
+          </a:xfrm>
+        </p:spPr>
+        <p:txBody>
+          <a:bodyPr>
+            <a:normAutofit/>
+          </a:bodyPr>
+          <a:lstStyle/>
+          <a:p>
+            <a:r>
+              <a:rPr lang="en-US" dirty="0"/>
+              <a:t>Classes</a:t>
+            </a:r>
+            <a:endParaRPr lang="ro-RO" dirty="0"/>
+          </a:p>
+        </p:txBody>
+      </p:sp>
+      <p:pic>
+        <p:nvPicPr>
+          <p:cNvPr id="5" name="Content Placeholder 4">
+            <a:extLst>
+              <a:ext uri="{FF2B5EF4-FFF2-40B4-BE49-F238E27FC236}">
+                <a16:creationId xmlns:a16="http://schemas.microsoft.com/office/drawing/2014/main" id="{3149489C-B149-40A1-AF23-1B2B47028891}"/>
+              </a:ext>
+            </a:extLst>
+          </p:cNvPr>
+          <p:cNvPicPr>
+            <a:picLocks noGrp="1" noChangeAspect="1"/>
+          </p:cNvPicPr>
+          <p:nvPr>
+            <p:ph idx="1"/>
+          </p:nvPr>
+        </p:nvPicPr>
+        <p:blipFill>
+          <a:blip r:embed="rId2">
+            <a:extLst>
+              <a:ext uri="{28A0092B-C50C-407E-A947-70E740481C1C}">
+                <a14:useLocalDpi xmlns:a14="http://schemas.microsoft.com/office/drawing/2010/main" val="0"/>
+              </a:ext>
+            </a:extLst>
+          </a:blip>
+          <a:stretch>
+            <a:fillRect/>
+          </a:stretch>
+        </p:blipFill>
+        <p:spPr>
+          <a:xfrm>
+            <a:off x="2370833" y="1362719"/>
+            <a:ext cx="7675920" cy="4797449"/>
+          </a:xfrm>
+        </p:spPr>
+      </p:pic>
+    </p:spTree>
+    <p:extLst>
+      <p:ext uri="{BB962C8B-B14F-4D97-AF65-F5344CB8AC3E}">
+        <p14:creationId xmlns:p14="http://schemas.microsoft.com/office/powerpoint/2010/main" val="4058037956"/>
       </p:ext>
     </p:extLst>
   </p:cSld>
@@ -7550,7 +8594,7 @@
           <a:p>
             <a:r>
               <a:rPr lang="en-US" dirty="0"/>
-              <a:t>Homework</a:t>
+              <a:t>Challenge</a:t>
             </a:r>
             <a:endParaRPr lang="ro-RO" dirty="0"/>
           </a:p>
@@ -7560,6 +8604,467 @@
     <p:extLst>
       <p:ext uri="{BB962C8B-B14F-4D97-AF65-F5344CB8AC3E}">
         <p14:creationId xmlns:p14="http://schemas.microsoft.com/office/powerpoint/2010/main" val="1991545182"/>
+      </p:ext>
+    </p:extLst>
+  </p:cSld>
+  <p:clrMapOvr>
+    <a:masterClrMapping/>
+  </p:clrMapOvr>
+</p:sld>
+</file>
+
+<file path=ppt/slides/slide30.xml><?xml version="1.0" encoding="utf-8"?>
+<p:sld xmlns:a="http://schemas.openxmlformats.org/drawingml/2006/main" xmlns:r="http://schemas.openxmlformats.org/officeDocument/2006/relationships" xmlns:p="http://schemas.openxmlformats.org/presentationml/2006/main">
+  <p:cSld>
+    <p:spTree>
+      <p:nvGrpSpPr>
+        <p:cNvPr id="1" name=""/>
+        <p:cNvGrpSpPr/>
+        <p:nvPr/>
+      </p:nvGrpSpPr>
+      <p:grpSpPr>
+        <a:xfrm>
+          <a:off x="0" y="0"/>
+          <a:ext cx="0" cy="0"/>
+          <a:chOff x="0" y="0"/>
+          <a:chExt cx="0" cy="0"/>
+        </a:xfrm>
+      </p:grpSpPr>
+      <p:sp>
+        <p:nvSpPr>
+          <p:cNvPr id="2" name="Title 1">
+            <a:extLst>
+              <a:ext uri="{FF2B5EF4-FFF2-40B4-BE49-F238E27FC236}">
+                <a16:creationId xmlns:a16="http://schemas.microsoft.com/office/drawing/2014/main" id="{0C200A59-7B88-488D-9EA3-7B457872ECFE}"/>
+              </a:ext>
+            </a:extLst>
+          </p:cNvPr>
+          <p:cNvSpPr>
+            <a:spLocks noGrp="1"/>
+          </p:cNvSpPr>
+          <p:nvPr>
+            <p:ph type="title"/>
+          </p:nvPr>
+        </p:nvSpPr>
+        <p:spPr>
+          <a:xfrm>
+            <a:off x="913795" y="368969"/>
+            <a:ext cx="10353762" cy="970450"/>
+          </a:xfrm>
+        </p:spPr>
+        <p:txBody>
+          <a:bodyPr/>
+          <a:lstStyle/>
+          <a:p>
+            <a:r>
+              <a:rPr lang="en-US" dirty="0"/>
+              <a:t>Type Aliases</a:t>
+            </a:r>
+            <a:endParaRPr lang="ro-RO" dirty="0"/>
+          </a:p>
+        </p:txBody>
+      </p:sp>
+      <p:pic>
+        <p:nvPicPr>
+          <p:cNvPr id="5" name="Content Placeholder 4">
+            <a:extLst>
+              <a:ext uri="{FF2B5EF4-FFF2-40B4-BE49-F238E27FC236}">
+                <a16:creationId xmlns:a16="http://schemas.microsoft.com/office/drawing/2014/main" id="{D72BC5D4-4A3F-4E50-865C-BC0800F269E6}"/>
+              </a:ext>
+            </a:extLst>
+          </p:cNvPr>
+          <p:cNvPicPr>
+            <a:picLocks noGrp="1" noChangeAspect="1"/>
+          </p:cNvPicPr>
+          <p:nvPr>
+            <p:ph idx="1"/>
+          </p:nvPr>
+        </p:nvPicPr>
+        <p:blipFill>
+          <a:blip r:embed="rId2">
+            <a:extLst>
+              <a:ext uri="{28A0092B-C50C-407E-A947-70E740481C1C}">
+                <a14:useLocalDpi xmlns:a14="http://schemas.microsoft.com/office/drawing/2010/main" val="0"/>
+              </a:ext>
+            </a:extLst>
+          </a:blip>
+          <a:stretch>
+            <a:fillRect/>
+          </a:stretch>
+        </p:blipFill>
+        <p:spPr>
+          <a:xfrm>
+            <a:off x="1534921" y="1467755"/>
+            <a:ext cx="9111510" cy="4491590"/>
+          </a:xfrm>
+        </p:spPr>
+      </p:pic>
+    </p:spTree>
+    <p:extLst>
+      <p:ext uri="{BB962C8B-B14F-4D97-AF65-F5344CB8AC3E}">
+        <p14:creationId xmlns:p14="http://schemas.microsoft.com/office/powerpoint/2010/main" val="3279524621"/>
+      </p:ext>
+    </p:extLst>
+  </p:cSld>
+  <p:clrMapOvr>
+    <a:masterClrMapping/>
+  </p:clrMapOvr>
+</p:sld>
+</file>
+
+<file path=ppt/slides/slide31.xml><?xml version="1.0" encoding="utf-8"?>
+<p:sld xmlns:a="http://schemas.openxmlformats.org/drawingml/2006/main" xmlns:r="http://schemas.openxmlformats.org/officeDocument/2006/relationships" xmlns:p="http://schemas.openxmlformats.org/presentationml/2006/main">
+  <p:cSld>
+    <p:spTree>
+      <p:nvGrpSpPr>
+        <p:cNvPr id="1" name=""/>
+        <p:cNvGrpSpPr/>
+        <p:nvPr/>
+      </p:nvGrpSpPr>
+      <p:grpSpPr>
+        <a:xfrm>
+          <a:off x="0" y="0"/>
+          <a:ext cx="0" cy="0"/>
+          <a:chOff x="0" y="0"/>
+          <a:chExt cx="0" cy="0"/>
+        </a:xfrm>
+      </p:grpSpPr>
+      <p:sp>
+        <p:nvSpPr>
+          <p:cNvPr id="2" name="Title 1">
+            <a:extLst>
+              <a:ext uri="{FF2B5EF4-FFF2-40B4-BE49-F238E27FC236}">
+                <a16:creationId xmlns:a16="http://schemas.microsoft.com/office/drawing/2014/main" id="{B3933F43-7234-4381-9B0D-0C5A8BEC3BD7}"/>
+              </a:ext>
+            </a:extLst>
+          </p:cNvPr>
+          <p:cNvSpPr>
+            <a:spLocks noGrp="1"/>
+          </p:cNvSpPr>
+          <p:nvPr>
+            <p:ph type="title"/>
+          </p:nvPr>
+        </p:nvSpPr>
+        <p:spPr>
+          <a:xfrm>
+            <a:off x="913795" y="304800"/>
+            <a:ext cx="10353762" cy="970450"/>
+          </a:xfrm>
+        </p:spPr>
+        <p:txBody>
+          <a:bodyPr>
+            <a:normAutofit/>
+          </a:bodyPr>
+          <a:lstStyle/>
+          <a:p>
+            <a:r>
+              <a:rPr lang="en-US" dirty="0"/>
+              <a:t>Interfaces</a:t>
+            </a:r>
+            <a:endParaRPr lang="ro-RO" dirty="0"/>
+          </a:p>
+        </p:txBody>
+      </p:sp>
+      <p:pic>
+        <p:nvPicPr>
+          <p:cNvPr id="5" name="Content Placeholder 4" descr="Text&#10;&#10;Description automatically generated">
+            <a:extLst>
+              <a:ext uri="{FF2B5EF4-FFF2-40B4-BE49-F238E27FC236}">
+                <a16:creationId xmlns:a16="http://schemas.microsoft.com/office/drawing/2014/main" id="{2C98EDAE-95D4-411A-9D87-EAB358A062DA}"/>
+              </a:ext>
+            </a:extLst>
+          </p:cNvPr>
+          <p:cNvPicPr>
+            <a:picLocks noGrp="1" noChangeAspect="1"/>
+          </p:cNvPicPr>
+          <p:nvPr>
+            <p:ph idx="1"/>
+          </p:nvPr>
+        </p:nvPicPr>
+        <p:blipFill>
+          <a:blip r:embed="rId2">
+            <a:extLst>
+              <a:ext uri="{28A0092B-C50C-407E-A947-70E740481C1C}">
+                <a14:useLocalDpi xmlns:a14="http://schemas.microsoft.com/office/drawing/2010/main" val="0"/>
+              </a:ext>
+            </a:extLst>
+          </a:blip>
+          <a:stretch>
+            <a:fillRect/>
+          </a:stretch>
+        </p:blipFill>
+        <p:spPr>
+          <a:xfrm>
+            <a:off x="1375246" y="1547966"/>
+            <a:ext cx="9430859" cy="4536364"/>
+          </a:xfrm>
+        </p:spPr>
+      </p:pic>
+    </p:spTree>
+    <p:extLst>
+      <p:ext uri="{BB962C8B-B14F-4D97-AF65-F5344CB8AC3E}">
+        <p14:creationId xmlns:p14="http://schemas.microsoft.com/office/powerpoint/2010/main" val="3967122698"/>
+      </p:ext>
+    </p:extLst>
+  </p:cSld>
+  <p:clrMapOvr>
+    <a:masterClrMapping/>
+  </p:clrMapOvr>
+</p:sld>
+</file>
+
+<file path=ppt/slides/slide32.xml><?xml version="1.0" encoding="utf-8"?>
+<p:sld xmlns:a="http://schemas.openxmlformats.org/drawingml/2006/main" xmlns:r="http://schemas.openxmlformats.org/officeDocument/2006/relationships" xmlns:p="http://schemas.openxmlformats.org/presentationml/2006/main">
+  <p:cSld>
+    <p:spTree>
+      <p:nvGrpSpPr>
+        <p:cNvPr id="1" name=""/>
+        <p:cNvGrpSpPr/>
+        <p:nvPr/>
+      </p:nvGrpSpPr>
+      <p:grpSpPr>
+        <a:xfrm>
+          <a:off x="0" y="0"/>
+          <a:ext cx="0" cy="0"/>
+          <a:chOff x="0" y="0"/>
+          <a:chExt cx="0" cy="0"/>
+        </a:xfrm>
+      </p:grpSpPr>
+      <p:pic>
+        <p:nvPicPr>
+          <p:cNvPr id="9" name="Content Placeholder 8" descr="Graphical user interface, text, application&#10;&#10;Description automatically generated">
+            <a:extLst>
+              <a:ext uri="{FF2B5EF4-FFF2-40B4-BE49-F238E27FC236}">
+                <a16:creationId xmlns:a16="http://schemas.microsoft.com/office/drawing/2014/main" id="{9CD00357-3093-4FB9-929A-C6DF886C294C}"/>
+              </a:ext>
+            </a:extLst>
+          </p:cNvPr>
+          <p:cNvPicPr>
+            <a:picLocks noGrp="1" noChangeAspect="1"/>
+          </p:cNvPicPr>
+          <p:nvPr>
+            <p:ph idx="1"/>
+          </p:nvPr>
+        </p:nvPicPr>
+        <p:blipFill>
+          <a:blip r:embed="rId2">
+            <a:extLst>
+              <a:ext uri="{28A0092B-C50C-407E-A947-70E740481C1C}">
+                <a14:useLocalDpi xmlns:a14="http://schemas.microsoft.com/office/drawing/2010/main" val="0"/>
+              </a:ext>
+            </a:extLst>
+          </a:blip>
+          <a:stretch>
+            <a:fillRect/>
+          </a:stretch>
+        </p:blipFill>
+        <p:spPr>
+          <a:xfrm>
+            <a:off x="557999" y="701842"/>
+            <a:ext cx="11076002" cy="5454316"/>
+          </a:xfrm>
+        </p:spPr>
+      </p:pic>
+    </p:spTree>
+    <p:extLst>
+      <p:ext uri="{BB962C8B-B14F-4D97-AF65-F5344CB8AC3E}">
+        <p14:creationId xmlns:p14="http://schemas.microsoft.com/office/powerpoint/2010/main" val="4126190334"/>
+      </p:ext>
+    </p:extLst>
+  </p:cSld>
+  <p:clrMapOvr>
+    <a:masterClrMapping/>
+  </p:clrMapOvr>
+</p:sld>
+</file>
+
+<file path=ppt/slides/slide33.xml><?xml version="1.0" encoding="utf-8"?>
+<p:sld xmlns:a="http://schemas.openxmlformats.org/drawingml/2006/main" xmlns:r="http://schemas.openxmlformats.org/officeDocument/2006/relationships" xmlns:p="http://schemas.openxmlformats.org/presentationml/2006/main">
+  <p:cSld>
+    <p:spTree>
+      <p:nvGrpSpPr>
+        <p:cNvPr id="1" name=""/>
+        <p:cNvGrpSpPr/>
+        <p:nvPr/>
+      </p:nvGrpSpPr>
+      <p:grpSpPr>
+        <a:xfrm>
+          <a:off x="0" y="0"/>
+          <a:ext cx="0" cy="0"/>
+          <a:chOff x="0" y="0"/>
+          <a:chExt cx="0" cy="0"/>
+        </a:xfrm>
+      </p:grpSpPr>
+      <p:sp>
+        <p:nvSpPr>
+          <p:cNvPr id="2" name="Title 1">
+            <a:extLst>
+              <a:ext uri="{FF2B5EF4-FFF2-40B4-BE49-F238E27FC236}">
+                <a16:creationId xmlns:a16="http://schemas.microsoft.com/office/drawing/2014/main" id="{3BFE3898-04EE-4153-A49A-AC269332764A}"/>
+              </a:ext>
+            </a:extLst>
+          </p:cNvPr>
+          <p:cNvSpPr>
+            <a:spLocks noGrp="1"/>
+          </p:cNvSpPr>
+          <p:nvPr>
+            <p:ph type="title"/>
+          </p:nvPr>
+        </p:nvSpPr>
+        <p:spPr>
+          <a:xfrm>
+            <a:off x="914356" y="304800"/>
+            <a:ext cx="10353762" cy="970450"/>
+          </a:xfrm>
+        </p:spPr>
+        <p:txBody>
+          <a:bodyPr/>
+          <a:lstStyle/>
+          <a:p>
+            <a:r>
+              <a:rPr lang="en-US" dirty="0"/>
+              <a:t>Enums</a:t>
+            </a:r>
+            <a:endParaRPr lang="ro-RO" dirty="0"/>
+          </a:p>
+        </p:txBody>
+      </p:sp>
+      <p:pic>
+        <p:nvPicPr>
+          <p:cNvPr id="9" name="Content Placeholder 8" descr="Text&#10;&#10;Description automatically generated">
+            <a:extLst>
+              <a:ext uri="{FF2B5EF4-FFF2-40B4-BE49-F238E27FC236}">
+                <a16:creationId xmlns:a16="http://schemas.microsoft.com/office/drawing/2014/main" id="{569D274B-D291-4F0B-AB3A-1E9053004F7F}"/>
+              </a:ext>
+            </a:extLst>
+          </p:cNvPr>
+          <p:cNvPicPr>
+            <a:picLocks noGrp="1" noChangeAspect="1"/>
+          </p:cNvPicPr>
+          <p:nvPr>
+            <p:ph idx="1"/>
+          </p:nvPr>
+        </p:nvPicPr>
+        <p:blipFill>
+          <a:blip r:embed="rId2">
+            <a:extLst>
+              <a:ext uri="{28A0092B-C50C-407E-A947-70E740481C1C}">
+                <a14:useLocalDpi xmlns:a14="http://schemas.microsoft.com/office/drawing/2010/main" val="0"/>
+              </a:ext>
+            </a:extLst>
+          </a:blip>
+          <a:stretch>
+            <a:fillRect/>
+          </a:stretch>
+        </p:blipFill>
+        <p:spPr>
+          <a:xfrm>
+            <a:off x="3481688" y="1275250"/>
+            <a:ext cx="5228624" cy="5277950"/>
+          </a:xfrm>
+        </p:spPr>
+      </p:pic>
+    </p:spTree>
+    <p:extLst>
+      <p:ext uri="{BB962C8B-B14F-4D97-AF65-F5344CB8AC3E}">
+        <p14:creationId xmlns:p14="http://schemas.microsoft.com/office/powerpoint/2010/main" val="2340105545"/>
+      </p:ext>
+    </p:extLst>
+  </p:cSld>
+  <p:clrMapOvr>
+    <a:masterClrMapping/>
+  </p:clrMapOvr>
+</p:sld>
+</file>
+
+<file path=ppt/slides/slide34.xml><?xml version="1.0" encoding="utf-8"?>
+<p:sld xmlns:a="http://schemas.openxmlformats.org/drawingml/2006/main" xmlns:r="http://schemas.openxmlformats.org/officeDocument/2006/relationships" xmlns:p="http://schemas.openxmlformats.org/presentationml/2006/main">
+  <p:cSld>
+    <p:spTree>
+      <p:nvGrpSpPr>
+        <p:cNvPr id="1" name=""/>
+        <p:cNvGrpSpPr/>
+        <p:nvPr/>
+      </p:nvGrpSpPr>
+      <p:grpSpPr>
+        <a:xfrm>
+          <a:off x="0" y="0"/>
+          <a:ext cx="0" cy="0"/>
+          <a:chOff x="0" y="0"/>
+          <a:chExt cx="0" cy="0"/>
+        </a:xfrm>
+      </p:grpSpPr>
+      <p:sp>
+        <p:nvSpPr>
+          <p:cNvPr id="2" name="Title 1">
+            <a:extLst>
+              <a:ext uri="{FF2B5EF4-FFF2-40B4-BE49-F238E27FC236}">
+                <a16:creationId xmlns:a16="http://schemas.microsoft.com/office/drawing/2014/main" id="{B1E016D3-78ED-4E6B-B804-642CC03B52B2}"/>
+              </a:ext>
+            </a:extLst>
+          </p:cNvPr>
+          <p:cNvSpPr>
+            <a:spLocks noGrp="1"/>
+          </p:cNvSpPr>
+          <p:nvPr>
+            <p:ph type="title"/>
+          </p:nvPr>
+        </p:nvSpPr>
+        <p:spPr/>
+        <p:txBody>
+          <a:bodyPr/>
+          <a:lstStyle/>
+          <a:p>
+            <a:pPr marL="36900" indent="0">
+              <a:buNone/>
+            </a:pPr>
+            <a:r>
+              <a:rPr lang="en-US" dirty="0"/>
+              <a:t>https://www.typescriptlang.org/play</a:t>
+            </a:r>
+            <a:endParaRPr lang="ro-RO" dirty="0"/>
+          </a:p>
+        </p:txBody>
+      </p:sp>
+      <p:pic>
+        <p:nvPicPr>
+          <p:cNvPr id="11" name="Content Placeholder 10" descr="A picture containing text, gauge, device&#10;&#10;Description automatically generated">
+            <a:extLst>
+              <a:ext uri="{FF2B5EF4-FFF2-40B4-BE49-F238E27FC236}">
+                <a16:creationId xmlns:a16="http://schemas.microsoft.com/office/drawing/2014/main" id="{49D21306-0E62-4E9B-8666-BD9C60615C07}"/>
+              </a:ext>
+            </a:extLst>
+          </p:cNvPr>
+          <p:cNvPicPr>
+            <a:picLocks noGrp="1" noChangeAspect="1"/>
+          </p:cNvPicPr>
+          <p:nvPr>
+            <p:ph idx="1"/>
+          </p:nvPr>
+        </p:nvPicPr>
+        <p:blipFill>
+          <a:blip r:embed="rId2">
+            <a:extLst>
+              <a:ext uri="{28A0092B-C50C-407E-A947-70E740481C1C}">
+                <a14:useLocalDpi xmlns:a14="http://schemas.microsoft.com/office/drawing/2010/main" val="0"/>
+              </a:ext>
+            </a:extLst>
+          </a:blip>
+          <a:stretch>
+            <a:fillRect/>
+          </a:stretch>
+        </p:blipFill>
+        <p:spPr>
+          <a:xfrm>
+            <a:off x="2301856" y="1798525"/>
+            <a:ext cx="7577640" cy="4243479"/>
+          </a:xfrm>
+        </p:spPr>
+      </p:pic>
+    </p:spTree>
+    <p:extLst>
+      <p:ext uri="{BB962C8B-B14F-4D97-AF65-F5344CB8AC3E}">
+        <p14:creationId xmlns:p14="http://schemas.microsoft.com/office/powerpoint/2010/main" val="508246249"/>
       </p:ext>
     </p:extLst>
   </p:cSld>
